--- a/trunk/documents/XYZ Gramma.pptx
+++ b/trunk/documents/XYZ Gramma.pptx
@@ -12,6 +12,8 @@
     <p:sldId id="257" r:id="rId6"/>
     <p:sldId id="261" r:id="rId7"/>
     <p:sldId id="262" r:id="rId8"/>
+    <p:sldId id="263" r:id="rId9"/>
+    <p:sldId id="264" r:id="rId10"/>
   </p:sldIdLst>
   <p:sldSz cx="9144000" cy="6858000" type="screen4x3"/>
   <p:notesSz cx="6858000" cy="9144000"/>
@@ -2838,10 +2840,17 @@
           <a:spcPct val="0"/>
         </a:spcBef>
         <a:buNone/>
-        <a:defRPr sz="4400" kern="1200">
+        <a:defRPr sz="4400" b="1" kern="1200">
           <a:solidFill>
             <a:schemeClr val="tx1"/>
           </a:solidFill>
+          <a:effectLst>
+            <a:outerShdw blurRad="38100" dist="38100" dir="2700000" algn="tl">
+              <a:srgbClr xmlns:mc="http://schemas.openxmlformats.org/markup-compatibility/2006" xmlns:a14="http://schemas.microsoft.com/office/drawing/2010/main" val="000000" mc:Ignorable="">
+                <a:alpha val="43137"/>
+              </a:srgbClr>
+            </a:outerShdw>
+          </a:effectLst>
           <a:latin typeface="+mj-lt"/>
           <a:ea typeface="+mj-ea"/>
           <a:cs typeface="+mj-cs"/>
@@ -3117,10 +3126,26 @@
           <a:lstStyle/>
           <a:p>
             <a:r>
-              <a:rPr lang="en-US" altLang="zh-CN" dirty="0" smtClean="0"/>
+              <a:rPr lang="en-US" altLang="zh-CN" b="1" dirty="0" smtClean="0">
+                <a:effectLst>
+                  <a:outerShdw blurRad="38100" dist="38100" dir="2700000" algn="tl">
+                    <a:srgbClr xmlns:mc="http://schemas.openxmlformats.org/markup-compatibility/2006" xmlns:a14="http://schemas.microsoft.com/office/drawing/2010/main" val="000000" mc:Ignorable="">
+                      <a:alpha val="43137"/>
+                    </a:srgbClr>
+                  </a:outerShdw>
+                </a:effectLst>
+              </a:rPr>
               <a:t>XYZ Grammar</a:t>
             </a:r>
-            <a:endParaRPr lang="zh-CN" altLang="en-US" dirty="0"/>
+            <a:endParaRPr lang="zh-CN" altLang="en-US" b="1" dirty="0">
+              <a:effectLst>
+                <a:outerShdw blurRad="38100" dist="38100" dir="2700000" algn="tl">
+                  <a:srgbClr xmlns:mc="http://schemas.openxmlformats.org/markup-compatibility/2006" xmlns:a14="http://schemas.microsoft.com/office/drawing/2010/main" val="000000" mc:Ignorable="">
+                    <a:alpha val="43137"/>
+                  </a:srgbClr>
+                </a:outerShdw>
+              </a:effectLst>
+            </a:endParaRPr>
           </a:p>
         </p:txBody>
       </p:sp>
@@ -3140,31 +3165,31 @@
           <a:lstStyle/>
           <a:p>
             <a:r>
-              <a:rPr lang="en-US" altLang="zh-CN" dirty="0" smtClean="0"/>
+              <a:rPr lang="en-US" altLang="zh-CN" b="1" dirty="0" smtClean="0"/>
               <a:t>5070379019 Wu Ye</a:t>
             </a:r>
           </a:p>
           <a:p>
             <a:r>
-              <a:rPr lang="en-US" altLang="zh-CN" dirty="0" smtClean="0"/>
+              <a:rPr lang="en-US" altLang="zh-CN" b="1" dirty="0" smtClean="0"/>
               <a:t>5070379022 </a:t>
             </a:r>
             <a:r>
-              <a:rPr lang="en-US" altLang="zh-CN" dirty="0" err="1" smtClean="0"/>
+              <a:rPr lang="en-US" altLang="zh-CN" b="1" dirty="0" err="1" smtClean="0"/>
               <a:t>YangJiaChen</a:t>
             </a:r>
-            <a:endParaRPr lang="en-US" altLang="zh-CN" dirty="0" smtClean="0"/>
-          </a:p>
-          <a:p>
-            <a:r>
-              <a:rPr lang="en-US" altLang="zh-CN" dirty="0" smtClean="0"/>
+            <a:endParaRPr lang="en-US" altLang="zh-CN" b="1" dirty="0" smtClean="0"/>
+          </a:p>
+          <a:p>
+            <a:r>
+              <a:rPr lang="en-US" altLang="zh-CN" b="1" dirty="0" smtClean="0"/>
               <a:t>5070379025 </a:t>
             </a:r>
             <a:r>
-              <a:rPr lang="en-US" altLang="zh-CN" dirty="0" err="1" smtClean="0"/>
+              <a:rPr lang="en-US" altLang="zh-CN" b="1" dirty="0" err="1" smtClean="0"/>
               <a:t>ZhanHuiZhou</a:t>
             </a:r>
-            <a:endParaRPr lang="zh-CN" altLang="en-US" dirty="0"/>
+            <a:endParaRPr lang="zh-CN" altLang="en-US" b="1" dirty="0"/>
           </a:p>
         </p:txBody>
       </p:sp>
@@ -3376,25 +3401,6 @@
                 </a:solidFill>
               </a14:hiddenFill>
             </a:ext>
-            <a:ext uri="{91240B29-F687-4F45-9708-019B960494DF}">
-              <a14:hiddenLine xmlns:a14="http://schemas.microsoft.com/office/drawing/2010/main" w="9525">
-                <a:solidFill>
-                  <a:schemeClr val="tx1"/>
-                </a:solidFill>
-                <a:miter lim="800000"/>
-                <a:headEnd/>
-                <a:tailEnd/>
-              </a14:hiddenLine>
-            </a:ext>
-            <a:ext uri="{AF507438-7753-43E0-B8FC-AC1667EBCBE1}">
-              <a14:hiddenEffects xmlns:a14="http://schemas.microsoft.com/office/drawing/2010/main">
-                <a:effectLst>
-                  <a:outerShdw dist="35921" dir="2700000" algn="ctr" rotWithShape="0">
-                    <a:schemeClr val="bg2"/>
-                  </a:outerShdw>
-                </a:effectLst>
-              </a14:hiddenEffects>
-            </a:ext>
           </a:extLst>
         </p:spPr>
       </p:pic>
@@ -4283,11 +4289,7 @@
           <a:p>
             <a:r>
               <a:rPr lang="en-US" altLang="zh-CN" dirty="0" smtClean="0"/>
-              <a:t>Precedence of </a:t>
-            </a:r>
-            <a:r>
-              <a:rPr lang="en-US" altLang="zh-CN" dirty="0" smtClean="0"/>
-              <a:t>operator</a:t>
+              <a:t>Precedence of operator</a:t>
             </a:r>
             <a:endParaRPr lang="zh-CN" altLang="en-US" dirty="0"/>
           </a:p>
@@ -12114,13 +12116,8 @@
             </a:r>
             <a:r>
               <a:rPr lang="en-US" altLang="zh-CN" sz="1400" dirty="0" smtClean="0"/>
-              <a:t> call </a:t>
-            </a:r>
-            <a:r>
-              <a:rPr lang="en-US" altLang="zh-CN" sz="1400" dirty="0" smtClean="0"/>
-              <a:t>-&gt; look table</a:t>
-            </a:r>
-            <a:endParaRPr lang="en-US" altLang="zh-CN" sz="1400" dirty="0" smtClean="0"/>
+              <a:t> call -&gt; look table</a:t>
+            </a:r>
           </a:p>
           <a:p>
             <a:pPr lvl="5"/>
@@ -12150,7 +12147,6 @@
               <a:rPr lang="en-US" altLang="zh-CN" sz="1400" dirty="0" smtClean="0"/>
               <a:t>Check pre, Jump into f</a:t>
             </a:r>
-            <a:endParaRPr lang="en-US" altLang="zh-CN" sz="1400" dirty="0" smtClean="0"/>
           </a:p>
           <a:p>
             <a:pPr marL="914400" lvl="2" indent="0">
@@ -12305,6 +12301,236 @@
       </p:par>
     </p:tnLst>
   </p:timing>
+</p:sld>
+</file>
+
+<file path=ppt/slides/slide8.xml><?xml version="1.0" encoding="utf-8"?>
+<p:sld xmlns:a="http://schemas.openxmlformats.org/drawingml/2006/main" xmlns:r="http://schemas.openxmlformats.org/officeDocument/2006/relationships" xmlns:p="http://schemas.openxmlformats.org/presentationml/2006/main">
+  <p:cSld>
+    <p:spTree>
+      <p:nvGrpSpPr>
+        <p:cNvPr id="1" name=""/>
+        <p:cNvGrpSpPr/>
+        <p:nvPr/>
+      </p:nvGrpSpPr>
+      <p:grpSpPr>
+        <a:xfrm>
+          <a:off x="0" y="0"/>
+          <a:ext cx="0" cy="0"/>
+          <a:chOff x="0" y="0"/>
+          <a:chExt cx="0" cy="0"/>
+        </a:xfrm>
+      </p:grpSpPr>
+      <p:sp>
+        <p:nvSpPr>
+          <p:cNvPr id="5" name="标题 4"/>
+          <p:cNvSpPr>
+            <a:spLocks noGrp="1"/>
+          </p:cNvSpPr>
+          <p:nvPr>
+            <p:ph type="title"/>
+          </p:nvPr>
+        </p:nvSpPr>
+        <p:spPr/>
+        <p:txBody>
+          <a:bodyPr/>
+          <a:lstStyle/>
+          <a:p>
+            <a:endParaRPr lang="zh-CN" altLang="en-US"/>
+          </a:p>
+        </p:txBody>
+      </p:sp>
+      <p:pic>
+        <p:nvPicPr>
+          <p:cNvPr id="1026" name="图片 2"/>
+          <p:cNvPicPr>
+            <a:picLocks noGrp="1" noChangeAspect="1" noChangeArrowheads="1"/>
+          </p:cNvPicPr>
+          <p:nvPr>
+            <p:ph idx="1"/>
+          </p:nvPr>
+        </p:nvPicPr>
+        <p:blipFill>
+          <a:blip r:embed="rId2">
+            <a:extLst>
+              <a:ext uri="{28A0092B-C50C-407E-A947-70E740481C1C}">
+                <a14:useLocalDpi xmlns:a14="http://schemas.microsoft.com/office/drawing/2010/main" val="0"/>
+              </a:ext>
+            </a:extLst>
+          </a:blip>
+          <a:srcRect/>
+          <a:stretch>
+            <a:fillRect/>
+          </a:stretch>
+        </p:blipFill>
+        <p:spPr bwMode="auto">
+          <a:xfrm>
+            <a:off x="1177528" y="1600200"/>
+            <a:ext cx="6788944" cy="4525963"/>
+          </a:xfrm>
+          <a:prstGeom prst="rect">
+            <a:avLst/>
+          </a:prstGeom>
+          <a:noFill/>
+          <a:ln>
+            <a:noFill/>
+          </a:ln>
+          <a:effectLst/>
+          <a:extLst>
+            <a:ext uri="{909E8E84-426E-40DD-AFC4-6F175D3DCCD1}">
+              <a14:hiddenFill xmlns:a14="http://schemas.microsoft.com/office/drawing/2010/main">
+                <a:solidFill>
+                  <a:schemeClr val="accent1"/>
+                </a:solidFill>
+              </a14:hiddenFill>
+            </a:ext>
+            <a:ext uri="{91240B29-F687-4F45-9708-019B960494DF}">
+              <a14:hiddenLine xmlns:a14="http://schemas.microsoft.com/office/drawing/2010/main" w="9525">
+                <a:solidFill>
+                  <a:schemeClr val="tx1"/>
+                </a:solidFill>
+                <a:miter lim="800000"/>
+                <a:headEnd/>
+                <a:tailEnd/>
+              </a14:hiddenLine>
+            </a:ext>
+            <a:ext uri="{AF507438-7753-43E0-B8FC-AC1667EBCBE1}">
+              <a14:hiddenEffects xmlns:a14="http://schemas.microsoft.com/office/drawing/2010/main">
+                <a:effectLst>
+                  <a:outerShdw dist="35921" dir="2700000" algn="ctr" rotWithShape="0">
+                    <a:schemeClr val="bg2"/>
+                  </a:outerShdw>
+                </a:effectLst>
+              </a14:hiddenEffects>
+            </a:ext>
+          </a:extLst>
+        </p:spPr>
+      </p:pic>
+    </p:spTree>
+    <p:extLst>
+      <p:ext uri="{BB962C8B-B14F-4D97-AF65-F5344CB8AC3E}">
+        <p14:creationId xmlns:p14="http://schemas.microsoft.com/office/powerpoint/2010/main" val="3112904102"/>
+      </p:ext>
+    </p:extLst>
+  </p:cSld>
+  <p:clrMapOvr>
+    <a:masterClrMapping/>
+  </p:clrMapOvr>
+</p:sld>
+</file>
+
+<file path=ppt/slides/slide9.xml><?xml version="1.0" encoding="utf-8"?>
+<p:sld xmlns:a="http://schemas.openxmlformats.org/drawingml/2006/main" xmlns:r="http://schemas.openxmlformats.org/officeDocument/2006/relationships" xmlns:p="http://schemas.openxmlformats.org/presentationml/2006/main">
+  <p:cSld>
+    <p:spTree>
+      <p:nvGrpSpPr>
+        <p:cNvPr id="1" name=""/>
+        <p:cNvGrpSpPr/>
+        <p:nvPr/>
+      </p:nvGrpSpPr>
+      <p:grpSpPr>
+        <a:xfrm>
+          <a:off x="0" y="0"/>
+          <a:ext cx="0" cy="0"/>
+          <a:chOff x="0" y="0"/>
+          <a:chExt cx="0" cy="0"/>
+        </a:xfrm>
+      </p:grpSpPr>
+      <p:sp>
+        <p:nvSpPr>
+          <p:cNvPr id="2" name="标题 1"/>
+          <p:cNvSpPr>
+            <a:spLocks noGrp="1"/>
+          </p:cNvSpPr>
+          <p:nvPr>
+            <p:ph type="title"/>
+          </p:nvPr>
+        </p:nvSpPr>
+        <p:spPr/>
+        <p:txBody>
+          <a:bodyPr/>
+          <a:lstStyle/>
+          <a:p>
+            <a:endParaRPr lang="zh-CN" altLang="en-US"/>
+          </a:p>
+        </p:txBody>
+      </p:sp>
+      <p:pic>
+        <p:nvPicPr>
+          <p:cNvPr id="2050" name="图片 2"/>
+          <p:cNvPicPr>
+            <a:picLocks noGrp="1" noChangeAspect="1" noChangeArrowheads="1"/>
+          </p:cNvPicPr>
+          <p:nvPr>
+            <p:ph idx="1"/>
+          </p:nvPr>
+        </p:nvPicPr>
+        <p:blipFill>
+          <a:blip r:embed="rId2">
+            <a:extLst>
+              <a:ext uri="{28A0092B-C50C-407E-A947-70E740481C1C}">
+                <a14:useLocalDpi xmlns:a14="http://schemas.microsoft.com/office/drawing/2010/main" val="0"/>
+              </a:ext>
+            </a:extLst>
+          </a:blip>
+          <a:srcRect/>
+          <a:stretch>
+            <a:fillRect/>
+          </a:stretch>
+        </p:blipFill>
+        <p:spPr bwMode="auto">
+          <a:xfrm>
+            <a:off x="1331640" y="1484784"/>
+            <a:ext cx="6730755" cy="5100417"/>
+          </a:xfrm>
+          <a:prstGeom prst="rect">
+            <a:avLst/>
+          </a:prstGeom>
+          <a:noFill/>
+          <a:ln>
+            <a:noFill/>
+          </a:ln>
+          <a:effectLst/>
+          <a:extLst>
+            <a:ext uri="{909E8E84-426E-40DD-AFC4-6F175D3DCCD1}">
+              <a14:hiddenFill xmlns:a14="http://schemas.microsoft.com/office/drawing/2010/main">
+                <a:solidFill>
+                  <a:schemeClr val="accent1"/>
+                </a:solidFill>
+              </a14:hiddenFill>
+            </a:ext>
+            <a:ext uri="{91240B29-F687-4F45-9708-019B960494DF}">
+              <a14:hiddenLine xmlns:a14="http://schemas.microsoft.com/office/drawing/2010/main" w="9525">
+                <a:solidFill>
+                  <a:schemeClr val="tx1"/>
+                </a:solidFill>
+                <a:miter lim="800000"/>
+                <a:headEnd/>
+                <a:tailEnd/>
+              </a14:hiddenLine>
+            </a:ext>
+            <a:ext uri="{AF507438-7753-43E0-B8FC-AC1667EBCBE1}">
+              <a14:hiddenEffects xmlns:a14="http://schemas.microsoft.com/office/drawing/2010/main">
+                <a:effectLst>
+                  <a:outerShdw dist="35921" dir="2700000" algn="ctr" rotWithShape="0">
+                    <a:schemeClr val="bg2"/>
+                  </a:outerShdw>
+                </a:effectLst>
+              </a14:hiddenEffects>
+            </a:ext>
+          </a:extLst>
+        </p:spPr>
+      </p:pic>
+    </p:spTree>
+    <p:extLst>
+      <p:ext uri="{BB962C8B-B14F-4D97-AF65-F5344CB8AC3E}">
+        <p14:creationId xmlns:p14="http://schemas.microsoft.com/office/powerpoint/2010/main" val="273332935"/>
+      </p:ext>
+    </p:extLst>
+  </p:cSld>
+  <p:clrMapOvr>
+    <a:masterClrMapping/>
+  </p:clrMapOvr>
 </p:sld>
 </file>
 

--- a/trunk/documents/XYZ Gramma.pptx
+++ b/trunk/documents/XYZ Gramma.pptx
@@ -11,9 +11,10 @@
     <p:sldId id="260" r:id="rId5"/>
     <p:sldId id="257" r:id="rId6"/>
     <p:sldId id="261" r:id="rId7"/>
-    <p:sldId id="262" r:id="rId8"/>
-    <p:sldId id="263" r:id="rId9"/>
-    <p:sldId id="264" r:id="rId10"/>
+    <p:sldId id="265" r:id="rId8"/>
+    <p:sldId id="262" r:id="rId9"/>
+    <p:sldId id="263" r:id="rId10"/>
+    <p:sldId id="264" r:id="rId11"/>
   </p:sldIdLst>
   <p:sldSz cx="9144000" cy="6858000" type="screen4x3"/>
   <p:notesSz cx="6858000" cy="9144000"/>
@@ -3210,6 +3211,129 @@
       </p:par>
     </p:tnLst>
   </p:timing>
+</p:sld>
+</file>
+
+<file path=ppt/slides/slide10.xml><?xml version="1.0" encoding="utf-8"?>
+<p:sld xmlns:a="http://schemas.openxmlformats.org/drawingml/2006/main" xmlns:r="http://schemas.openxmlformats.org/officeDocument/2006/relationships" xmlns:p="http://schemas.openxmlformats.org/presentationml/2006/main">
+  <p:cSld>
+    <p:spTree>
+      <p:nvGrpSpPr>
+        <p:cNvPr id="1" name=""/>
+        <p:cNvGrpSpPr/>
+        <p:nvPr/>
+      </p:nvGrpSpPr>
+      <p:grpSpPr>
+        <a:xfrm>
+          <a:off x="0" y="0"/>
+          <a:ext cx="0" cy="0"/>
+          <a:chOff x="0" y="0"/>
+          <a:chExt cx="0" cy="0"/>
+        </a:xfrm>
+      </p:grpSpPr>
+      <p:sp>
+        <p:nvSpPr>
+          <p:cNvPr id="2" name="标题 1"/>
+          <p:cNvSpPr>
+            <a:spLocks noGrp="1"/>
+          </p:cNvSpPr>
+          <p:nvPr>
+            <p:ph type="title"/>
+          </p:nvPr>
+        </p:nvSpPr>
+        <p:spPr/>
+        <p:txBody>
+          <a:bodyPr/>
+          <a:lstStyle/>
+          <a:p>
+            <a:r>
+              <a:rPr lang="en-US" altLang="zh-CN" dirty="0" smtClean="0"/>
+              <a:t>Large Weight </a:t>
+            </a:r>
+            <a:r>
+              <a:rPr lang="en-US" altLang="zh-CN" dirty="0" err="1" smtClean="0"/>
+              <a:t>Struct</a:t>
+            </a:r>
+            <a:endParaRPr lang="zh-CN" altLang="en-US" dirty="0"/>
+          </a:p>
+        </p:txBody>
+      </p:sp>
+      <p:pic>
+        <p:nvPicPr>
+          <p:cNvPr id="2050" name="图片 2"/>
+          <p:cNvPicPr>
+            <a:picLocks noGrp="1" noChangeAspect="1" noChangeArrowheads="1"/>
+          </p:cNvPicPr>
+          <p:nvPr>
+            <p:ph idx="1"/>
+          </p:nvPr>
+        </p:nvPicPr>
+        <p:blipFill>
+          <a:blip r:embed="rId2">
+            <a:extLst>
+              <a:ext uri="{28A0092B-C50C-407E-A947-70E740481C1C}">
+                <a14:useLocalDpi xmlns:a14="http://schemas.microsoft.com/office/drawing/2010/main" val="0"/>
+              </a:ext>
+            </a:extLst>
+          </a:blip>
+          <a:srcRect/>
+          <a:stretch>
+            <a:fillRect/>
+          </a:stretch>
+        </p:blipFill>
+        <p:spPr bwMode="auto">
+          <a:xfrm>
+            <a:off x="1331640" y="1484784"/>
+            <a:ext cx="6730755" cy="5100417"/>
+          </a:xfrm>
+          <a:prstGeom prst="rect">
+            <a:avLst/>
+          </a:prstGeom>
+          <a:noFill/>
+          <a:ln>
+            <a:noFill/>
+          </a:ln>
+          <a:effectLst/>
+          <a:extLst>
+            <a:ext uri="{909E8E84-426E-40DD-AFC4-6F175D3DCCD1}">
+              <a14:hiddenFill xmlns:a14="http://schemas.microsoft.com/office/drawing/2010/main">
+                <a:solidFill>
+                  <a:schemeClr val="accent1"/>
+                </a:solidFill>
+              </a14:hiddenFill>
+            </a:ext>
+            <a:ext uri="{91240B29-F687-4F45-9708-019B960494DF}">
+              <a14:hiddenLine xmlns:a14="http://schemas.microsoft.com/office/drawing/2010/main" w="9525">
+                <a:solidFill>
+                  <a:schemeClr val="tx1"/>
+                </a:solidFill>
+                <a:miter lim="800000"/>
+                <a:headEnd/>
+                <a:tailEnd/>
+              </a14:hiddenLine>
+            </a:ext>
+            <a:ext uri="{AF507438-7753-43E0-B8FC-AC1667EBCBE1}">
+              <a14:hiddenEffects xmlns:a14="http://schemas.microsoft.com/office/drawing/2010/main">
+                <a:effectLst>
+                  <a:outerShdw dist="35921" dir="2700000" algn="ctr" rotWithShape="0">
+                    <a:schemeClr val="bg2"/>
+                  </a:outerShdw>
+                </a:effectLst>
+              </a14:hiddenEffects>
+            </a:ext>
+          </a:extLst>
+        </p:spPr>
+      </p:pic>
+    </p:spTree>
+    <p:extLst>
+      <p:ext uri="{BB962C8B-B14F-4D97-AF65-F5344CB8AC3E}">
+        <p14:creationId xmlns:p14="http://schemas.microsoft.com/office/powerpoint/2010/main" val="273332935"/>
+      </p:ext>
+    </p:extLst>
+  </p:cSld>
+  <p:clrMapOvr>
+    <a:masterClrMapping/>
+  </p:clrMapOvr>
 </p:sld>
 </file>
 
@@ -11628,6 +11752,231 @@
       </p:grpSpPr>
       <p:sp>
         <p:nvSpPr>
+          <p:cNvPr id="5" name="标题 4"/>
+          <p:cNvSpPr>
+            <a:spLocks noGrp="1"/>
+          </p:cNvSpPr>
+          <p:nvPr>
+            <p:ph type="title"/>
+          </p:nvPr>
+        </p:nvSpPr>
+        <p:spPr/>
+        <p:txBody>
+          <a:bodyPr/>
+          <a:lstStyle/>
+          <a:p>
+            <a:r>
+              <a:rPr lang="en-US" altLang="zh-CN" dirty="0" smtClean="0"/>
+              <a:t>Other modifications to Grammar</a:t>
+            </a:r>
+            <a:endParaRPr lang="zh-CN" altLang="en-US" dirty="0"/>
+          </a:p>
+        </p:txBody>
+      </p:sp>
+      <p:sp>
+        <p:nvSpPr>
+          <p:cNvPr id="6" name="内容占位符 5"/>
+          <p:cNvSpPr>
+            <a:spLocks noGrp="1"/>
+          </p:cNvSpPr>
+          <p:nvPr>
+            <p:ph idx="1"/>
+          </p:nvPr>
+        </p:nvSpPr>
+        <p:spPr/>
+        <p:txBody>
+          <a:bodyPr/>
+          <a:lstStyle/>
+          <a:p>
+            <a:r>
+              <a:rPr lang="en-US" altLang="zh-CN" dirty="0" smtClean="0"/>
+              <a:t>Add </a:t>
+            </a:r>
+            <a:r>
+              <a:rPr lang="en-US" altLang="zh-CN" dirty="0" err="1" smtClean="0"/>
+              <a:t>exp</a:t>
+            </a:r>
+            <a:r>
+              <a:rPr lang="en-US" altLang="zh-CN" dirty="0" smtClean="0"/>
+              <a:t> -&gt; </a:t>
+            </a:r>
+            <a:r>
+              <a:rPr lang="en-US" altLang="zh-CN" dirty="0" err="1" smtClean="0"/>
+              <a:t>real_literal</a:t>
+            </a:r>
+            <a:endParaRPr lang="en-US" altLang="zh-CN" dirty="0" smtClean="0"/>
+          </a:p>
+          <a:p>
+            <a:r>
+              <a:rPr lang="en-US" altLang="zh-CN" dirty="0" smtClean="0"/>
+              <a:t>Add </a:t>
+            </a:r>
+            <a:r>
+              <a:rPr lang="en-US" altLang="zh-CN" dirty="0" err="1" smtClean="0"/>
+              <a:t>exp</a:t>
+            </a:r>
+            <a:r>
+              <a:rPr lang="en-US" altLang="zh-CN" dirty="0" smtClean="0"/>
+              <a:t> -&gt; new real [</a:t>
+            </a:r>
+            <a:r>
+              <a:rPr lang="en-US" altLang="zh-CN" dirty="0" err="1" smtClean="0"/>
+              <a:t>exp</a:t>
+            </a:r>
+            <a:r>
+              <a:rPr lang="en-US" altLang="zh-CN" dirty="0" smtClean="0"/>
+              <a:t>]</a:t>
+            </a:r>
+          </a:p>
+          <a:p>
+            <a:r>
+              <a:rPr lang="en-US" altLang="zh-CN" dirty="0" smtClean="0"/>
+              <a:t>Modify </a:t>
+            </a:r>
+            <a:r>
+              <a:rPr lang="en-US" altLang="zh-CN" dirty="0"/>
+              <a:t>Main method to </a:t>
+            </a:r>
+            <a:endParaRPr lang="en-US" altLang="zh-CN" dirty="0" smtClean="0"/>
+          </a:p>
+          <a:p>
+            <a:pPr lvl="1"/>
+            <a:r>
+              <a:rPr lang="en-US" altLang="zh-CN" dirty="0" err="1" smtClean="0"/>
+              <a:t>method_decl</a:t>
+            </a:r>
+            <a:r>
+              <a:rPr lang="en-US" altLang="zh-CN" dirty="0" smtClean="0"/>
+              <a:t> </a:t>
+            </a:r>
+            <a:r>
+              <a:rPr lang="en-US" altLang="zh-CN" dirty="0"/>
+              <a:t>= public type id </a:t>
+            </a:r>
+            <a:r>
+              <a:rPr lang="en-US" altLang="zh-CN" dirty="0" err="1"/>
+              <a:t>l_p</a:t>
+            </a:r>
+            <a:r>
+              <a:rPr lang="en-US" altLang="zh-CN" dirty="0"/>
+              <a:t> </a:t>
+            </a:r>
+            <a:r>
+              <a:rPr lang="en-US" altLang="zh-CN" dirty="0" err="1"/>
+              <a:t>formal_list</a:t>
+            </a:r>
+            <a:r>
+              <a:rPr lang="en-US" altLang="zh-CN" dirty="0"/>
+              <a:t>? </a:t>
+            </a:r>
+            <a:r>
+              <a:rPr lang="en-US" altLang="zh-CN" dirty="0" err="1"/>
+              <a:t>r_p</a:t>
+            </a:r>
+            <a:r>
+              <a:rPr lang="en-US" altLang="zh-CN" dirty="0"/>
+              <a:t> </a:t>
+            </a:r>
+            <a:r>
+              <a:rPr lang="en-US" altLang="zh-CN" dirty="0" err="1" smtClean="0"/>
+              <a:t>l_b</a:t>
+            </a:r>
+            <a:r>
+              <a:rPr lang="en-US" altLang="zh-CN" dirty="0" smtClean="0"/>
+              <a:t> </a:t>
+            </a:r>
+            <a:r>
+              <a:rPr lang="en-US" altLang="zh-CN" dirty="0" err="1" smtClean="0"/>
+              <a:t>pre_decl</a:t>
+            </a:r>
+            <a:r>
+              <a:rPr lang="en-US" altLang="zh-CN" dirty="0" smtClean="0"/>
+              <a:t> </a:t>
+            </a:r>
+            <a:r>
+              <a:rPr lang="en-US" altLang="zh-CN" dirty="0" err="1"/>
+              <a:t>post_decl</a:t>
+            </a:r>
+            <a:r>
+              <a:rPr lang="en-US" altLang="zh-CN" dirty="0"/>
+              <a:t> </a:t>
+            </a:r>
+            <a:r>
+              <a:rPr lang="en-US" altLang="zh-CN" dirty="0">
+                <a:solidFill>
+                  <a:srgbClr xmlns:mc="http://schemas.openxmlformats.org/markup-compatibility/2006" xmlns:a14="http://schemas.microsoft.com/office/drawing/2010/main" val="FF0000" mc:Ignorable=""/>
+                </a:solidFill>
+              </a:rPr>
+              <a:t>body</a:t>
+            </a:r>
+            <a:r>
+              <a:rPr lang="en-US" altLang="zh-CN" dirty="0"/>
+              <a:t> return </a:t>
+            </a:r>
+            <a:r>
+              <a:rPr lang="en-US" altLang="zh-CN" dirty="0" err="1"/>
+              <a:t>exp</a:t>
+            </a:r>
+            <a:r>
+              <a:rPr lang="en-US" altLang="zh-CN" dirty="0"/>
+              <a:t> semi </a:t>
+            </a:r>
+            <a:r>
+              <a:rPr lang="en-US" altLang="zh-CN" dirty="0" err="1" smtClean="0"/>
+              <a:t>r_b</a:t>
+            </a:r>
+            <a:endParaRPr lang="en-US" altLang="zh-CN" dirty="0" smtClean="0"/>
+          </a:p>
+          <a:p>
+            <a:pPr lvl="1"/>
+            <a:r>
+              <a:rPr lang="en-US" altLang="zh-CN" dirty="0"/>
+              <a:t>body = </a:t>
+            </a:r>
+            <a:r>
+              <a:rPr lang="en-US" altLang="zh-CN" dirty="0" err="1"/>
+              <a:t>var_decl</a:t>
+            </a:r>
+            <a:r>
+              <a:rPr lang="en-US" altLang="zh-CN" dirty="0"/>
+              <a:t>* state*</a:t>
+            </a:r>
+            <a:endParaRPr lang="zh-CN" altLang="en-US" dirty="0"/>
+          </a:p>
+        </p:txBody>
+      </p:sp>
+    </p:spTree>
+    <p:extLst>
+      <p:ext uri="{BB962C8B-B14F-4D97-AF65-F5344CB8AC3E}">
+        <p14:creationId xmlns:p14="http://schemas.microsoft.com/office/powerpoint/2010/main" val="3127681968"/>
+      </p:ext>
+    </p:extLst>
+  </p:cSld>
+  <p:clrMapOvr>
+    <a:masterClrMapping/>
+  </p:clrMapOvr>
+</p:sld>
+</file>
+
+<file path=ppt/slides/slide8.xml><?xml version="1.0" encoding="utf-8"?>
+<p:sld xmlns:a="http://schemas.openxmlformats.org/drawingml/2006/main" xmlns:r="http://schemas.openxmlformats.org/officeDocument/2006/relationships" xmlns:p="http://schemas.openxmlformats.org/presentationml/2006/main">
+  <p:cSld>
+    <p:spTree>
+      <p:nvGrpSpPr>
+        <p:cNvPr id="1" name=""/>
+        <p:cNvGrpSpPr/>
+        <p:nvPr/>
+      </p:nvGrpSpPr>
+      <p:grpSpPr>
+        <a:xfrm>
+          <a:off x="0" y="0"/>
+          <a:ext cx="0" cy="0"/>
+          <a:chOff x="0" y="0"/>
+          <a:chExt cx="0" cy="0"/>
+        </a:xfrm>
+      </p:grpSpPr>
+      <p:sp>
+        <p:nvSpPr>
           <p:cNvPr id="7" name="标题 6"/>
           <p:cNvSpPr>
             <a:spLocks noGrp="1"/>
@@ -12304,7 +12653,7 @@
 </p:sld>
 </file>
 
-<file path=ppt/slides/slide8.xml><?xml version="1.0" encoding="utf-8"?>
+<file path=ppt/slides/slide9.xml><?xml version="1.0" encoding="utf-8"?>
 <p:sld xmlns:a="http://schemas.openxmlformats.org/drawingml/2006/main" xmlns:r="http://schemas.openxmlformats.org/officeDocument/2006/relationships" xmlns:p="http://schemas.openxmlformats.org/presentationml/2006/main">
   <p:cSld>
     <p:spTree>
@@ -12336,7 +12685,7 @@
           <a:bodyPr/>
           <a:lstStyle/>
           <a:p>
-            <a:endParaRPr lang="zh-CN" altLang="en-US"/>
+            <a:endParaRPr lang="zh-CN" altLang="en-US" dirty="0"/>
           </a:p>
         </p:txBody>
       </p:sp>
@@ -12410,121 +12759,6 @@
     <p:extLst>
       <p:ext uri="{BB962C8B-B14F-4D97-AF65-F5344CB8AC3E}">
         <p14:creationId xmlns:p14="http://schemas.microsoft.com/office/powerpoint/2010/main" val="3112904102"/>
-      </p:ext>
-    </p:extLst>
-  </p:cSld>
-  <p:clrMapOvr>
-    <a:masterClrMapping/>
-  </p:clrMapOvr>
-</p:sld>
-</file>
-
-<file path=ppt/slides/slide9.xml><?xml version="1.0" encoding="utf-8"?>
-<p:sld xmlns:a="http://schemas.openxmlformats.org/drawingml/2006/main" xmlns:r="http://schemas.openxmlformats.org/officeDocument/2006/relationships" xmlns:p="http://schemas.openxmlformats.org/presentationml/2006/main">
-  <p:cSld>
-    <p:spTree>
-      <p:nvGrpSpPr>
-        <p:cNvPr id="1" name=""/>
-        <p:cNvGrpSpPr/>
-        <p:nvPr/>
-      </p:nvGrpSpPr>
-      <p:grpSpPr>
-        <a:xfrm>
-          <a:off x="0" y="0"/>
-          <a:ext cx="0" cy="0"/>
-          <a:chOff x="0" y="0"/>
-          <a:chExt cx="0" cy="0"/>
-        </a:xfrm>
-      </p:grpSpPr>
-      <p:sp>
-        <p:nvSpPr>
-          <p:cNvPr id="2" name="标题 1"/>
-          <p:cNvSpPr>
-            <a:spLocks noGrp="1"/>
-          </p:cNvSpPr>
-          <p:nvPr>
-            <p:ph type="title"/>
-          </p:nvPr>
-        </p:nvSpPr>
-        <p:spPr/>
-        <p:txBody>
-          <a:bodyPr/>
-          <a:lstStyle/>
-          <a:p>
-            <a:endParaRPr lang="zh-CN" altLang="en-US"/>
-          </a:p>
-        </p:txBody>
-      </p:sp>
-      <p:pic>
-        <p:nvPicPr>
-          <p:cNvPr id="2050" name="图片 2"/>
-          <p:cNvPicPr>
-            <a:picLocks noGrp="1" noChangeAspect="1" noChangeArrowheads="1"/>
-          </p:cNvPicPr>
-          <p:nvPr>
-            <p:ph idx="1"/>
-          </p:nvPr>
-        </p:nvPicPr>
-        <p:blipFill>
-          <a:blip r:embed="rId2">
-            <a:extLst>
-              <a:ext uri="{28A0092B-C50C-407E-A947-70E740481C1C}">
-                <a14:useLocalDpi xmlns:a14="http://schemas.microsoft.com/office/drawing/2010/main" val="0"/>
-              </a:ext>
-            </a:extLst>
-          </a:blip>
-          <a:srcRect/>
-          <a:stretch>
-            <a:fillRect/>
-          </a:stretch>
-        </p:blipFill>
-        <p:spPr bwMode="auto">
-          <a:xfrm>
-            <a:off x="1331640" y="1484784"/>
-            <a:ext cx="6730755" cy="5100417"/>
-          </a:xfrm>
-          <a:prstGeom prst="rect">
-            <a:avLst/>
-          </a:prstGeom>
-          <a:noFill/>
-          <a:ln>
-            <a:noFill/>
-          </a:ln>
-          <a:effectLst/>
-          <a:extLst>
-            <a:ext uri="{909E8E84-426E-40DD-AFC4-6F175D3DCCD1}">
-              <a14:hiddenFill xmlns:a14="http://schemas.microsoft.com/office/drawing/2010/main">
-                <a:solidFill>
-                  <a:schemeClr val="accent1"/>
-                </a:solidFill>
-              </a14:hiddenFill>
-            </a:ext>
-            <a:ext uri="{91240B29-F687-4F45-9708-019B960494DF}">
-              <a14:hiddenLine xmlns:a14="http://schemas.microsoft.com/office/drawing/2010/main" w="9525">
-                <a:solidFill>
-                  <a:schemeClr val="tx1"/>
-                </a:solidFill>
-                <a:miter lim="800000"/>
-                <a:headEnd/>
-                <a:tailEnd/>
-              </a14:hiddenLine>
-            </a:ext>
-            <a:ext uri="{AF507438-7753-43E0-B8FC-AC1667EBCBE1}">
-              <a14:hiddenEffects xmlns:a14="http://schemas.microsoft.com/office/drawing/2010/main">
-                <a:effectLst>
-                  <a:outerShdw dist="35921" dir="2700000" algn="ctr" rotWithShape="0">
-                    <a:schemeClr val="bg2"/>
-                  </a:outerShdw>
-                </a:effectLst>
-              </a14:hiddenEffects>
-            </a:ext>
-          </a:extLst>
-        </p:spPr>
-      </p:pic>
-    </p:spTree>
-    <p:extLst>
-      <p:ext uri="{BB962C8B-B14F-4D97-AF65-F5344CB8AC3E}">
-        <p14:creationId xmlns:p14="http://schemas.microsoft.com/office/powerpoint/2010/main" val="273332935"/>
       </p:ext>
     </p:extLst>
   </p:cSld>

--- a/trunk/documents/XYZ Gramma.pptx
+++ b/trunk/documents/XYZ Gramma.pptx
@@ -12,9 +12,10 @@
     <p:sldId id="257" r:id="rId6"/>
     <p:sldId id="261" r:id="rId7"/>
     <p:sldId id="265" r:id="rId8"/>
-    <p:sldId id="262" r:id="rId9"/>
-    <p:sldId id="263" r:id="rId10"/>
-    <p:sldId id="264" r:id="rId11"/>
+    <p:sldId id="266" r:id="rId9"/>
+    <p:sldId id="262" r:id="rId10"/>
+    <p:sldId id="263" r:id="rId11"/>
+    <p:sldId id="264" r:id="rId12"/>
   </p:sldIdLst>
   <p:sldSz cx="9144000" cy="6858000" type="screen4x3"/>
   <p:notesSz cx="6858000" cy="9144000"/>
@@ -297,7 +298,7 @@
           <a:p>
             <a:fld id="{2477A23D-83A7-4B53-AB8F-0A0D0A0EE597}" type="datetimeFigureOut">
               <a:rPr lang="zh-CN" altLang="en-US" smtClean="0"/>
-              <a:t>2010/4/26</a:t>
+              <a:t>2010/4/27</a:t>
             </a:fld>
             <a:endParaRPr lang="zh-CN" altLang="en-US"/>
           </a:p>
@@ -467,7 +468,7 @@
           <a:p>
             <a:fld id="{2477A23D-83A7-4B53-AB8F-0A0D0A0EE597}" type="datetimeFigureOut">
               <a:rPr lang="zh-CN" altLang="en-US" smtClean="0"/>
-              <a:t>2010/4/26</a:t>
+              <a:t>2010/4/27</a:t>
             </a:fld>
             <a:endParaRPr lang="zh-CN" altLang="en-US"/>
           </a:p>
@@ -647,7 +648,7 @@
           <a:p>
             <a:fld id="{2477A23D-83A7-4B53-AB8F-0A0D0A0EE597}" type="datetimeFigureOut">
               <a:rPr lang="zh-CN" altLang="en-US" smtClean="0"/>
-              <a:t>2010/4/26</a:t>
+              <a:t>2010/4/27</a:t>
             </a:fld>
             <a:endParaRPr lang="zh-CN" altLang="en-US"/>
           </a:p>
@@ -817,7 +818,7 @@
           <a:p>
             <a:fld id="{2477A23D-83A7-4B53-AB8F-0A0D0A0EE597}" type="datetimeFigureOut">
               <a:rPr lang="zh-CN" altLang="en-US" smtClean="0"/>
-              <a:t>2010/4/26</a:t>
+              <a:t>2010/4/27</a:t>
             </a:fld>
             <a:endParaRPr lang="zh-CN" altLang="en-US"/>
           </a:p>
@@ -1063,7 +1064,7 @@
           <a:p>
             <a:fld id="{2477A23D-83A7-4B53-AB8F-0A0D0A0EE597}" type="datetimeFigureOut">
               <a:rPr lang="zh-CN" altLang="en-US" smtClean="0"/>
-              <a:t>2010/4/26</a:t>
+              <a:t>2010/4/27</a:t>
             </a:fld>
             <a:endParaRPr lang="zh-CN" altLang="en-US"/>
           </a:p>
@@ -1351,7 +1352,7 @@
           <a:p>
             <a:fld id="{2477A23D-83A7-4B53-AB8F-0A0D0A0EE597}" type="datetimeFigureOut">
               <a:rPr lang="zh-CN" altLang="en-US" smtClean="0"/>
-              <a:t>2010/4/26</a:t>
+              <a:t>2010/4/27</a:t>
             </a:fld>
             <a:endParaRPr lang="zh-CN" altLang="en-US"/>
           </a:p>
@@ -1773,7 +1774,7 @@
           <a:p>
             <a:fld id="{2477A23D-83A7-4B53-AB8F-0A0D0A0EE597}" type="datetimeFigureOut">
               <a:rPr lang="zh-CN" altLang="en-US" smtClean="0"/>
-              <a:t>2010/4/26</a:t>
+              <a:t>2010/4/27</a:t>
             </a:fld>
             <a:endParaRPr lang="zh-CN" altLang="en-US"/>
           </a:p>
@@ -1891,7 +1892,7 @@
           <a:p>
             <a:fld id="{2477A23D-83A7-4B53-AB8F-0A0D0A0EE597}" type="datetimeFigureOut">
               <a:rPr lang="zh-CN" altLang="en-US" smtClean="0"/>
-              <a:t>2010/4/26</a:t>
+              <a:t>2010/4/27</a:t>
             </a:fld>
             <a:endParaRPr lang="zh-CN" altLang="en-US"/>
           </a:p>
@@ -1986,7 +1987,7 @@
           <a:p>
             <a:fld id="{2477A23D-83A7-4B53-AB8F-0A0D0A0EE597}" type="datetimeFigureOut">
               <a:rPr lang="zh-CN" altLang="en-US" smtClean="0"/>
-              <a:t>2010/4/26</a:t>
+              <a:t>2010/4/27</a:t>
             </a:fld>
             <a:endParaRPr lang="zh-CN" altLang="en-US"/>
           </a:p>
@@ -2263,7 +2264,7 @@
           <a:p>
             <a:fld id="{2477A23D-83A7-4B53-AB8F-0A0D0A0EE597}" type="datetimeFigureOut">
               <a:rPr lang="zh-CN" altLang="en-US" smtClean="0"/>
-              <a:t>2010/4/26</a:t>
+              <a:t>2010/4/27</a:t>
             </a:fld>
             <a:endParaRPr lang="zh-CN" altLang="en-US"/>
           </a:p>
@@ -2516,7 +2517,7 @@
           <a:p>
             <a:fld id="{2477A23D-83A7-4B53-AB8F-0A0D0A0EE597}" type="datetimeFigureOut">
               <a:rPr lang="zh-CN" altLang="en-US" smtClean="0"/>
-              <a:t>2010/4/26</a:t>
+              <a:t>2010/4/27</a:t>
             </a:fld>
             <a:endParaRPr lang="zh-CN" altLang="en-US"/>
           </a:p>
@@ -2729,7 +2730,7 @@
           <a:p>
             <a:fld id="{2477A23D-83A7-4B53-AB8F-0A0D0A0EE597}" type="datetimeFigureOut">
               <a:rPr lang="zh-CN" altLang="en-US" smtClean="0"/>
-              <a:t>2010/4/26</a:t>
+              <a:t>2010/4/27</a:t>
             </a:fld>
             <a:endParaRPr lang="zh-CN" altLang="en-US"/>
           </a:p>
@@ -3215,6 +3216,125 @@
 </file>
 
 <file path=ppt/slides/slide10.xml><?xml version="1.0" encoding="utf-8"?>
+<p:sld xmlns:a="http://schemas.openxmlformats.org/drawingml/2006/main" xmlns:r="http://schemas.openxmlformats.org/officeDocument/2006/relationships" xmlns:p="http://schemas.openxmlformats.org/presentationml/2006/main">
+  <p:cSld>
+    <p:spTree>
+      <p:nvGrpSpPr>
+        <p:cNvPr id="1" name=""/>
+        <p:cNvGrpSpPr/>
+        <p:nvPr/>
+      </p:nvGrpSpPr>
+      <p:grpSpPr>
+        <a:xfrm>
+          <a:off x="0" y="0"/>
+          <a:ext cx="0" cy="0"/>
+          <a:chOff x="0" y="0"/>
+          <a:chExt cx="0" cy="0"/>
+        </a:xfrm>
+      </p:grpSpPr>
+      <p:sp>
+        <p:nvSpPr>
+          <p:cNvPr id="5" name="标题 4"/>
+          <p:cNvSpPr>
+            <a:spLocks noGrp="1"/>
+          </p:cNvSpPr>
+          <p:nvPr>
+            <p:ph type="title"/>
+          </p:nvPr>
+        </p:nvSpPr>
+        <p:spPr/>
+        <p:txBody>
+          <a:bodyPr/>
+          <a:lstStyle/>
+          <a:p>
+            <a:r>
+              <a:rPr lang="en-US" altLang="zh-CN" dirty="0" smtClean="0"/>
+              <a:t>Member functions</a:t>
+            </a:r>
+            <a:endParaRPr lang="zh-CN" altLang="en-US" dirty="0"/>
+          </a:p>
+        </p:txBody>
+      </p:sp>
+      <p:pic>
+        <p:nvPicPr>
+          <p:cNvPr id="1026" name="图片 2"/>
+          <p:cNvPicPr>
+            <a:picLocks noGrp="1" noChangeAspect="1" noChangeArrowheads="1"/>
+          </p:cNvPicPr>
+          <p:nvPr>
+            <p:ph idx="1"/>
+          </p:nvPr>
+        </p:nvPicPr>
+        <p:blipFill>
+          <a:blip r:embed="rId2">
+            <a:extLst>
+              <a:ext uri="{28A0092B-C50C-407E-A947-70E740481C1C}">
+                <a14:useLocalDpi xmlns:a14="http://schemas.microsoft.com/office/drawing/2010/main" val="0"/>
+              </a:ext>
+            </a:extLst>
+          </a:blip>
+          <a:srcRect/>
+          <a:stretch>
+            <a:fillRect/>
+          </a:stretch>
+        </p:blipFill>
+        <p:spPr bwMode="auto">
+          <a:xfrm>
+            <a:off x="1177528" y="1600200"/>
+            <a:ext cx="6788944" cy="4525963"/>
+          </a:xfrm>
+          <a:prstGeom prst="rect">
+            <a:avLst/>
+          </a:prstGeom>
+          <a:noFill/>
+          <a:ln>
+            <a:noFill/>
+          </a:ln>
+          <a:effectLst/>
+          <a:extLst>
+            <a:ext uri="{909E8E84-426E-40DD-AFC4-6F175D3DCCD1}">
+              <a14:hiddenFill xmlns:a14="http://schemas.microsoft.com/office/drawing/2010/main">
+                <a:solidFill>
+                  <a:schemeClr val="accent1"/>
+                </a:solidFill>
+              </a14:hiddenFill>
+            </a:ext>
+            <a:ext uri="{91240B29-F687-4F45-9708-019B960494DF}">
+              <a14:hiddenLine xmlns:a14="http://schemas.microsoft.com/office/drawing/2010/main" w="9525">
+                <a:solidFill>
+                  <a:schemeClr val="tx1"/>
+                </a:solidFill>
+                <a:miter lim="800000"/>
+                <a:headEnd/>
+                <a:tailEnd/>
+              </a14:hiddenLine>
+            </a:ext>
+            <a:ext uri="{AF507438-7753-43E0-B8FC-AC1667EBCBE1}">
+              <a14:hiddenEffects xmlns:a14="http://schemas.microsoft.com/office/drawing/2010/main">
+                <a:effectLst>
+                  <a:outerShdw dist="35921" dir="2700000" algn="ctr" rotWithShape="0">
+                    <a:schemeClr val="bg2"/>
+                  </a:outerShdw>
+                </a:effectLst>
+              </a14:hiddenEffects>
+            </a:ext>
+          </a:extLst>
+        </p:spPr>
+      </p:pic>
+    </p:spTree>
+    <p:extLst>
+      <p:ext uri="{BB962C8B-B14F-4D97-AF65-F5344CB8AC3E}">
+        <p14:creationId xmlns:p14="http://schemas.microsoft.com/office/powerpoint/2010/main" val="3112904102"/>
+      </p:ext>
+    </p:extLst>
+  </p:cSld>
+  <p:clrMapOvr>
+    <a:masterClrMapping/>
+  </p:clrMapOvr>
+</p:sld>
+</file>
+
+<file path=ppt/slides/slide11.xml><?xml version="1.0" encoding="utf-8"?>
 <p:sld xmlns:a="http://schemas.openxmlformats.org/drawingml/2006/main" xmlns:r="http://schemas.openxmlformats.org/officeDocument/2006/relationships" xmlns:p="http://schemas.openxmlformats.org/presentationml/2006/main">
   <p:cSld>
     <p:spTree>
@@ -11977,6 +12097,163 @@
       </p:grpSpPr>
       <p:sp>
         <p:nvSpPr>
+          <p:cNvPr id="2" name="标题 1"/>
+          <p:cNvSpPr>
+            <a:spLocks noGrp="1"/>
+          </p:cNvSpPr>
+          <p:nvPr>
+            <p:ph type="title"/>
+          </p:nvPr>
+        </p:nvSpPr>
+        <p:spPr/>
+        <p:txBody>
+          <a:bodyPr/>
+          <a:lstStyle/>
+          <a:p>
+            <a:r>
+              <a:rPr lang="en-US" altLang="zh-CN" dirty="0" smtClean="0"/>
+              <a:t>Type promotion and cast</a:t>
+            </a:r>
+            <a:endParaRPr lang="zh-CN" altLang="en-US" dirty="0"/>
+          </a:p>
+        </p:txBody>
+      </p:sp>
+      <p:sp>
+        <p:nvSpPr>
+          <p:cNvPr id="6" name="文本占位符 5"/>
+          <p:cNvSpPr>
+            <a:spLocks noGrp="1"/>
+          </p:cNvSpPr>
+          <p:nvPr>
+            <p:ph type="body" idx="1"/>
+          </p:nvPr>
+        </p:nvSpPr>
+        <p:spPr/>
+        <p:txBody>
+          <a:bodyPr/>
+          <a:lstStyle/>
+          <a:p>
+            <a:r>
+              <a:rPr lang="en-US" altLang="zh-CN" dirty="0" smtClean="0"/>
+              <a:t>In </a:t>
+            </a:r>
+            <a:r>
+              <a:rPr lang="en-US" altLang="zh-CN" dirty="0" err="1" smtClean="0"/>
+              <a:t>Exp</a:t>
+            </a:r>
+            <a:endParaRPr lang="zh-CN" altLang="en-US" dirty="0"/>
+          </a:p>
+        </p:txBody>
+      </p:sp>
+      <p:sp>
+        <p:nvSpPr>
+          <p:cNvPr id="7" name="内容占位符 6"/>
+          <p:cNvSpPr>
+            <a:spLocks noGrp="1"/>
+          </p:cNvSpPr>
+          <p:nvPr>
+            <p:ph sz="half" idx="2"/>
+          </p:nvPr>
+        </p:nvSpPr>
+        <p:spPr/>
+        <p:txBody>
+          <a:bodyPr/>
+          <a:lstStyle/>
+          <a:p>
+            <a:r>
+              <a:rPr lang="en-US" altLang="zh-CN" dirty="0" err="1" smtClean="0"/>
+              <a:t>Int</a:t>
+            </a:r>
+            <a:r>
+              <a:rPr lang="en-US" altLang="zh-CN" dirty="0" smtClean="0"/>
+              <a:t> -&gt; real , if one of the </a:t>
+            </a:r>
+            <a:r>
+              <a:rPr lang="en-US" altLang="zh-CN" dirty="0" err="1" smtClean="0"/>
+              <a:t>operatee</a:t>
+            </a:r>
+            <a:r>
+              <a:rPr lang="en-US" altLang="zh-CN" smtClean="0"/>
+              <a:t> </a:t>
+            </a:r>
+            <a:r>
+              <a:rPr lang="en-US" altLang="zh-CN" dirty="0" smtClean="0"/>
+              <a:t>is real</a:t>
+            </a:r>
+            <a:endParaRPr lang="zh-CN" altLang="en-US" dirty="0"/>
+          </a:p>
+        </p:txBody>
+      </p:sp>
+      <p:sp>
+        <p:nvSpPr>
+          <p:cNvPr id="8" name="文本占位符 7"/>
+          <p:cNvSpPr>
+            <a:spLocks noGrp="1"/>
+          </p:cNvSpPr>
+          <p:nvPr>
+            <p:ph type="body" sz="quarter" idx="3"/>
+          </p:nvPr>
+        </p:nvSpPr>
+        <p:spPr/>
+        <p:txBody>
+          <a:bodyPr/>
+          <a:lstStyle/>
+          <a:p>
+            <a:endParaRPr lang="zh-CN" altLang="en-US" dirty="0"/>
+          </a:p>
+        </p:txBody>
+      </p:sp>
+      <p:sp>
+        <p:nvSpPr>
+          <p:cNvPr id="9" name="内容占位符 8"/>
+          <p:cNvSpPr>
+            <a:spLocks noGrp="1"/>
+          </p:cNvSpPr>
+          <p:nvPr>
+            <p:ph sz="quarter" idx="4"/>
+          </p:nvPr>
+        </p:nvSpPr>
+        <p:spPr/>
+        <p:txBody>
+          <a:bodyPr/>
+          <a:lstStyle/>
+          <a:p>
+            <a:endParaRPr lang="zh-CN" altLang="en-US"/>
+          </a:p>
+        </p:txBody>
+      </p:sp>
+    </p:spTree>
+    <p:extLst>
+      <p:ext uri="{BB962C8B-B14F-4D97-AF65-F5344CB8AC3E}">
+        <p14:creationId xmlns:p14="http://schemas.microsoft.com/office/powerpoint/2010/main" val="2169153441"/>
+      </p:ext>
+    </p:extLst>
+  </p:cSld>
+  <p:clrMapOvr>
+    <a:masterClrMapping/>
+  </p:clrMapOvr>
+</p:sld>
+</file>
+
+<file path=ppt/slides/slide9.xml><?xml version="1.0" encoding="utf-8"?>
+<p:sld xmlns:a="http://schemas.openxmlformats.org/drawingml/2006/main" xmlns:r="http://schemas.openxmlformats.org/officeDocument/2006/relationships" xmlns:p="http://schemas.openxmlformats.org/presentationml/2006/main">
+  <p:cSld>
+    <p:spTree>
+      <p:nvGrpSpPr>
+        <p:cNvPr id="1" name=""/>
+        <p:cNvGrpSpPr/>
+        <p:nvPr/>
+      </p:nvGrpSpPr>
+      <p:grpSpPr>
+        <a:xfrm>
+          <a:off x="0" y="0"/>
+          <a:ext cx="0" cy="0"/>
+          <a:chOff x="0" y="0"/>
+          <a:chExt cx="0" cy="0"/>
+        </a:xfrm>
+      </p:grpSpPr>
+      <p:sp>
+        <p:nvSpPr>
           <p:cNvPr id="7" name="标题 6"/>
           <p:cNvSpPr>
             <a:spLocks noGrp="1"/>
@@ -12650,121 +12927,6 @@
       </p:par>
     </p:tnLst>
   </p:timing>
-</p:sld>
-</file>
-
-<file path=ppt/slides/slide9.xml><?xml version="1.0" encoding="utf-8"?>
-<p:sld xmlns:a="http://schemas.openxmlformats.org/drawingml/2006/main" xmlns:r="http://schemas.openxmlformats.org/officeDocument/2006/relationships" xmlns:p="http://schemas.openxmlformats.org/presentationml/2006/main">
-  <p:cSld>
-    <p:spTree>
-      <p:nvGrpSpPr>
-        <p:cNvPr id="1" name=""/>
-        <p:cNvGrpSpPr/>
-        <p:nvPr/>
-      </p:nvGrpSpPr>
-      <p:grpSpPr>
-        <a:xfrm>
-          <a:off x="0" y="0"/>
-          <a:ext cx="0" cy="0"/>
-          <a:chOff x="0" y="0"/>
-          <a:chExt cx="0" cy="0"/>
-        </a:xfrm>
-      </p:grpSpPr>
-      <p:sp>
-        <p:nvSpPr>
-          <p:cNvPr id="5" name="标题 4"/>
-          <p:cNvSpPr>
-            <a:spLocks noGrp="1"/>
-          </p:cNvSpPr>
-          <p:nvPr>
-            <p:ph type="title"/>
-          </p:nvPr>
-        </p:nvSpPr>
-        <p:spPr/>
-        <p:txBody>
-          <a:bodyPr/>
-          <a:lstStyle/>
-          <a:p>
-            <a:endParaRPr lang="zh-CN" altLang="en-US" dirty="0"/>
-          </a:p>
-        </p:txBody>
-      </p:sp>
-      <p:pic>
-        <p:nvPicPr>
-          <p:cNvPr id="1026" name="图片 2"/>
-          <p:cNvPicPr>
-            <a:picLocks noGrp="1" noChangeAspect="1" noChangeArrowheads="1"/>
-          </p:cNvPicPr>
-          <p:nvPr>
-            <p:ph idx="1"/>
-          </p:nvPr>
-        </p:nvPicPr>
-        <p:blipFill>
-          <a:blip r:embed="rId2">
-            <a:extLst>
-              <a:ext uri="{28A0092B-C50C-407E-A947-70E740481C1C}">
-                <a14:useLocalDpi xmlns:a14="http://schemas.microsoft.com/office/drawing/2010/main" val="0"/>
-              </a:ext>
-            </a:extLst>
-          </a:blip>
-          <a:srcRect/>
-          <a:stretch>
-            <a:fillRect/>
-          </a:stretch>
-        </p:blipFill>
-        <p:spPr bwMode="auto">
-          <a:xfrm>
-            <a:off x="1177528" y="1600200"/>
-            <a:ext cx="6788944" cy="4525963"/>
-          </a:xfrm>
-          <a:prstGeom prst="rect">
-            <a:avLst/>
-          </a:prstGeom>
-          <a:noFill/>
-          <a:ln>
-            <a:noFill/>
-          </a:ln>
-          <a:effectLst/>
-          <a:extLst>
-            <a:ext uri="{909E8E84-426E-40DD-AFC4-6F175D3DCCD1}">
-              <a14:hiddenFill xmlns:a14="http://schemas.microsoft.com/office/drawing/2010/main">
-                <a:solidFill>
-                  <a:schemeClr val="accent1"/>
-                </a:solidFill>
-              </a14:hiddenFill>
-            </a:ext>
-            <a:ext uri="{91240B29-F687-4F45-9708-019B960494DF}">
-              <a14:hiddenLine xmlns:a14="http://schemas.microsoft.com/office/drawing/2010/main" w="9525">
-                <a:solidFill>
-                  <a:schemeClr val="tx1"/>
-                </a:solidFill>
-                <a:miter lim="800000"/>
-                <a:headEnd/>
-                <a:tailEnd/>
-              </a14:hiddenLine>
-            </a:ext>
-            <a:ext uri="{AF507438-7753-43E0-B8FC-AC1667EBCBE1}">
-              <a14:hiddenEffects xmlns:a14="http://schemas.microsoft.com/office/drawing/2010/main">
-                <a:effectLst>
-                  <a:outerShdw dist="35921" dir="2700000" algn="ctr" rotWithShape="0">
-                    <a:schemeClr val="bg2"/>
-                  </a:outerShdw>
-                </a:effectLst>
-              </a14:hiddenEffects>
-            </a:ext>
-          </a:extLst>
-        </p:spPr>
-      </p:pic>
-    </p:spTree>
-    <p:extLst>
-      <p:ext uri="{BB962C8B-B14F-4D97-AF65-F5344CB8AC3E}">
-        <p14:creationId xmlns:p14="http://schemas.microsoft.com/office/powerpoint/2010/main" val="3112904102"/>
-      </p:ext>
-    </p:extLst>
-  </p:cSld>
-  <p:clrMapOvr>
-    <a:masterClrMapping/>
-  </p:clrMapOvr>
 </p:sld>
 </file>
 
